--- a/proposal.pptx
+++ b/proposal.pptx
@@ -3877,7 +3877,7 @@
               <a:t>이는 소비자가 우리의 서비스 내에서 벗어나지 않고 쉽고 편리하게 쇼핑을 할 수 있게 합니다</a:t>
             </a:r>
             <a:r>
-              <a:rPr lang="en-US" altLang="ko-KR"/>
+              <a:rPr lang="en-US" altLang="ko-KR" dirty="0"/>
               <a:t>.</a:t>
             </a:r>
             <a:endParaRPr lang="ko-KR" altLang="en-US" dirty="0"/>
@@ -4226,16 +4226,28 @@
           </a:p>
           <a:p>
             <a:r>
+              <a:rPr lang="ko-KR" altLang="en-US" dirty="0"/>
+              <a:t>예를 들어 하버드 비즈니스 스쿨 논문에 따르면 소비자가 </a:t>
+            </a:r>
+            <a:r>
+              <a:rPr lang="ko-KR" altLang="en-US" dirty="0" err="1"/>
+              <a:t>별점이</a:t>
+            </a:r>
+            <a:r>
+              <a:rPr lang="ko-KR" altLang="en-US" dirty="0"/>
+              <a:t> 완벽한 상품에 대해 </a:t>
+            </a:r>
+            <a:r>
               <a:rPr lang="en-US" altLang="ko-KR" dirty="0"/>
-              <a:t>(</a:t>
+              <a:t>31</a:t>
             </a:r>
             <a:r>
               <a:rPr lang="ko-KR" altLang="en-US" dirty="0"/>
-              <a:t>실제 자료</a:t>
+              <a:t>프로까지 추가지출의사가 있다고 답했다고 합니다</a:t>
             </a:r>
             <a:r>
               <a:rPr lang="en-US" altLang="ko-KR" dirty="0"/>
-              <a:t>???)</a:t>
+              <a:t>.</a:t>
             </a:r>
             <a:endParaRPr lang="ko-KR" altLang="en-US" dirty="0"/>
           </a:p>
@@ -9514,16 +9526,6 @@
               </a:rPr>
               <a:t>디자인 컨셉</a:t>
             </a:r>
-            <a:r>
-              <a:rPr lang="en-US" altLang="ko-KR" b="1" dirty="0">
-                <a:solidFill>
-                  <a:schemeClr val="accent4">
-                    <a:lumMod val="50000"/>
-                  </a:schemeClr>
-                </a:solidFill>
-              </a:rPr>
-              <a:t/>
-            </a:r>
             <a:br>
               <a:rPr lang="en-US" altLang="ko-KR" b="1" dirty="0">
                 <a:solidFill>
@@ -9580,7 +9582,7 @@
           <p:cNvPr id="5" name="그림 4">
             <a:extLst>
               <a:ext uri="{FF2B5EF4-FFF2-40B4-BE49-F238E27FC236}">
-                <a16:creationId xmlns:a16="http://schemas.microsoft.com/office/drawing/2014/main" xmlns="" id="{E165B1AE-BF47-40FE-AE3B-15828B09B7AC}"/>
+                <a16:creationId xmlns:a16="http://schemas.microsoft.com/office/drawing/2014/main" id="{E165B1AE-BF47-40FE-AE3B-15828B09B7AC}"/>
               </a:ext>
             </a:extLst>
           </p:cNvPr>
@@ -9610,7 +9612,7 @@
           <p:cNvPr id="47" name="TextBox 46">
             <a:extLst>
               <a:ext uri="{FF2B5EF4-FFF2-40B4-BE49-F238E27FC236}">
-                <a16:creationId xmlns:a16="http://schemas.microsoft.com/office/drawing/2014/main" xmlns="" id="{5287645A-AD08-4D89-ACAD-4E65858A2EB7}"/>
+                <a16:creationId xmlns:a16="http://schemas.microsoft.com/office/drawing/2014/main" id="{5287645A-AD08-4D89-ACAD-4E65858A2EB7}"/>
               </a:ext>
             </a:extLst>
           </p:cNvPr>
@@ -9712,7 +9714,7 @@
           <p:cNvPr id="4" name="TextBox 3">
             <a:extLst>
               <a:ext uri="{FF2B5EF4-FFF2-40B4-BE49-F238E27FC236}">
-                <a16:creationId xmlns:a16="http://schemas.microsoft.com/office/drawing/2014/main" xmlns="" id="{267AE12C-1B5F-48C0-BF76-E286466756B0}"/>
+                <a16:creationId xmlns:a16="http://schemas.microsoft.com/office/drawing/2014/main" id="{267AE12C-1B5F-48C0-BF76-E286466756B0}"/>
               </a:ext>
             </a:extLst>
           </p:cNvPr>
@@ -9760,7 +9762,7 @@
           <p:cNvPr id="7" name="직선 연결선 6">
             <a:extLst>
               <a:ext uri="{FF2B5EF4-FFF2-40B4-BE49-F238E27FC236}">
-                <a16:creationId xmlns:a16="http://schemas.microsoft.com/office/drawing/2014/main" xmlns="" id="{B4A2FC86-5D2F-478B-9203-C49486360FA1}"/>
+                <a16:creationId xmlns:a16="http://schemas.microsoft.com/office/drawing/2014/main" id="{B4A2FC86-5D2F-478B-9203-C49486360FA1}"/>
               </a:ext>
             </a:extLst>
           </p:cNvPr>
@@ -9804,7 +9806,7 @@
           <p:cNvPr id="22" name="TextBox 21">
             <a:extLst>
               <a:ext uri="{FF2B5EF4-FFF2-40B4-BE49-F238E27FC236}">
-                <a16:creationId xmlns:a16="http://schemas.microsoft.com/office/drawing/2014/main" xmlns="" id="{1E19F2AC-D62D-4EA6-9C91-66BEED52CE9A}"/>
+                <a16:creationId xmlns:a16="http://schemas.microsoft.com/office/drawing/2014/main" id="{1E19F2AC-D62D-4EA6-9C91-66BEED52CE9A}"/>
               </a:ext>
             </a:extLst>
           </p:cNvPr>
@@ -9852,7 +9854,7 @@
           <p:cNvPr id="24" name="연결선: 꺾임 23">
             <a:extLst>
               <a:ext uri="{FF2B5EF4-FFF2-40B4-BE49-F238E27FC236}">
-                <a16:creationId xmlns:a16="http://schemas.microsoft.com/office/drawing/2014/main" xmlns="" id="{B7F0FF46-B257-4077-B3AD-4C11337CDBF1}"/>
+                <a16:creationId xmlns:a16="http://schemas.microsoft.com/office/drawing/2014/main" id="{B7F0FF46-B257-4077-B3AD-4C11337CDBF1}"/>
               </a:ext>
             </a:extLst>
           </p:cNvPr>
@@ -9896,7 +9898,7 @@
           <p:cNvPr id="15" name="TextBox 14">
             <a:extLst>
               <a:ext uri="{FF2B5EF4-FFF2-40B4-BE49-F238E27FC236}">
-                <a16:creationId xmlns:a16="http://schemas.microsoft.com/office/drawing/2014/main" xmlns="" id="{9C1E3425-69F6-471F-9286-9B8DF16A462E}"/>
+                <a16:creationId xmlns:a16="http://schemas.microsoft.com/office/drawing/2014/main" id="{9C1E3425-69F6-471F-9286-9B8DF16A462E}"/>
               </a:ext>
             </a:extLst>
           </p:cNvPr>
@@ -9963,7 +9965,7 @@
           <p:cNvPr id="27" name="직선 연결선 26">
             <a:extLst>
               <a:ext uri="{FF2B5EF4-FFF2-40B4-BE49-F238E27FC236}">
-                <a16:creationId xmlns:a16="http://schemas.microsoft.com/office/drawing/2014/main" xmlns="" id="{DE26473E-9EDB-49E4-9B02-9857FBA99B07}"/>
+                <a16:creationId xmlns:a16="http://schemas.microsoft.com/office/drawing/2014/main" id="{DE26473E-9EDB-49E4-9B02-9857FBA99B07}"/>
               </a:ext>
             </a:extLst>
           </p:cNvPr>
@@ -10007,7 +10009,7 @@
           <p:cNvPr id="45" name="TextBox 44">
             <a:extLst>
               <a:ext uri="{FF2B5EF4-FFF2-40B4-BE49-F238E27FC236}">
-                <a16:creationId xmlns:a16="http://schemas.microsoft.com/office/drawing/2014/main" xmlns="" id="{7476ECDD-44B5-4D31-A147-36ED8F9DD4BD}"/>
+                <a16:creationId xmlns:a16="http://schemas.microsoft.com/office/drawing/2014/main" id="{7476ECDD-44B5-4D31-A147-36ED8F9DD4BD}"/>
               </a:ext>
             </a:extLst>
           </p:cNvPr>
@@ -10053,7 +10055,7 @@
           <p:cNvPr id="46" name="직선 연결선 45">
             <a:extLst>
               <a:ext uri="{FF2B5EF4-FFF2-40B4-BE49-F238E27FC236}">
-                <a16:creationId xmlns:a16="http://schemas.microsoft.com/office/drawing/2014/main" xmlns="" id="{61497355-6ABE-424D-9D60-34358521956A}"/>
+                <a16:creationId xmlns:a16="http://schemas.microsoft.com/office/drawing/2014/main" id="{61497355-6ABE-424D-9D60-34358521956A}"/>
               </a:ext>
             </a:extLst>
           </p:cNvPr>
@@ -10097,7 +10099,7 @@
           <p:cNvPr id="6" name="그림 5">
             <a:extLst>
               <a:ext uri="{FF2B5EF4-FFF2-40B4-BE49-F238E27FC236}">
-                <a16:creationId xmlns:a16="http://schemas.microsoft.com/office/drawing/2014/main" xmlns="" id="{A24311C0-0C98-44FB-9C3F-7CEB3314ECE4}"/>
+                <a16:creationId xmlns:a16="http://schemas.microsoft.com/office/drawing/2014/main" id="{A24311C0-0C98-44FB-9C3F-7CEB3314ECE4}"/>
               </a:ext>
             </a:extLst>
           </p:cNvPr>
@@ -10165,7 +10167,7 @@
           <p:cNvPr id="10" name="그림 9">
             <a:extLst>
               <a:ext uri="{FF2B5EF4-FFF2-40B4-BE49-F238E27FC236}">
-                <a16:creationId xmlns:a16="http://schemas.microsoft.com/office/drawing/2014/main" xmlns="" id="{819ECA88-A708-4D08-847F-163C0133D40B}"/>
+                <a16:creationId xmlns:a16="http://schemas.microsoft.com/office/drawing/2014/main" id="{819ECA88-A708-4D08-847F-163C0133D40B}"/>
               </a:ext>
             </a:extLst>
           </p:cNvPr>
@@ -10195,7 +10197,7 @@
           <p:cNvPr id="99" name="TextBox 98">
             <a:extLst>
               <a:ext uri="{FF2B5EF4-FFF2-40B4-BE49-F238E27FC236}">
-                <a16:creationId xmlns:a16="http://schemas.microsoft.com/office/drawing/2014/main" xmlns="" id="{A1453190-BD29-4BBE-8374-3D69BD575279}"/>
+                <a16:creationId xmlns:a16="http://schemas.microsoft.com/office/drawing/2014/main" id="{A1453190-BD29-4BBE-8374-3D69BD575279}"/>
               </a:ext>
             </a:extLst>
           </p:cNvPr>
@@ -10290,7 +10292,7 @@
           <p:cNvPr id="15" name="TextBox 14">
             <a:extLst>
               <a:ext uri="{FF2B5EF4-FFF2-40B4-BE49-F238E27FC236}">
-                <a16:creationId xmlns:a16="http://schemas.microsoft.com/office/drawing/2014/main" xmlns="" id="{9C1E3425-69F6-471F-9286-9B8DF16A462E}"/>
+                <a16:creationId xmlns:a16="http://schemas.microsoft.com/office/drawing/2014/main" id="{9C1E3425-69F6-471F-9286-9B8DF16A462E}"/>
               </a:ext>
             </a:extLst>
           </p:cNvPr>
@@ -10338,7 +10340,7 @@
           <p:cNvPr id="45" name="TextBox 44">
             <a:extLst>
               <a:ext uri="{FF2B5EF4-FFF2-40B4-BE49-F238E27FC236}">
-                <a16:creationId xmlns:a16="http://schemas.microsoft.com/office/drawing/2014/main" xmlns="" id="{7476ECDD-44B5-4D31-A147-36ED8F9DD4BD}"/>
+                <a16:creationId xmlns:a16="http://schemas.microsoft.com/office/drawing/2014/main" id="{7476ECDD-44B5-4D31-A147-36ED8F9DD4BD}"/>
               </a:ext>
             </a:extLst>
           </p:cNvPr>
@@ -10384,7 +10386,7 @@
           <p:cNvPr id="27" name="직선 연결선 26">
             <a:extLst>
               <a:ext uri="{FF2B5EF4-FFF2-40B4-BE49-F238E27FC236}">
-                <a16:creationId xmlns:a16="http://schemas.microsoft.com/office/drawing/2014/main" xmlns="" id="{DE26473E-9EDB-49E4-9B02-9857FBA99B07}"/>
+                <a16:creationId xmlns:a16="http://schemas.microsoft.com/office/drawing/2014/main" id="{DE26473E-9EDB-49E4-9B02-9857FBA99B07}"/>
               </a:ext>
             </a:extLst>
           </p:cNvPr>
@@ -10428,7 +10430,7 @@
           <p:cNvPr id="46" name="직선 연결선 45">
             <a:extLst>
               <a:ext uri="{FF2B5EF4-FFF2-40B4-BE49-F238E27FC236}">
-                <a16:creationId xmlns:a16="http://schemas.microsoft.com/office/drawing/2014/main" xmlns="" id="{61497355-6ABE-424D-9D60-34358521956A}"/>
+                <a16:creationId xmlns:a16="http://schemas.microsoft.com/office/drawing/2014/main" id="{61497355-6ABE-424D-9D60-34358521956A}"/>
               </a:ext>
             </a:extLst>
           </p:cNvPr>
@@ -10472,7 +10474,7 @@
           <p:cNvPr id="71" name="TextBox 70">
             <a:extLst>
               <a:ext uri="{FF2B5EF4-FFF2-40B4-BE49-F238E27FC236}">
-                <a16:creationId xmlns:a16="http://schemas.microsoft.com/office/drawing/2014/main" xmlns="" id="{7CA55682-9B75-43CA-822F-E5469FDFC7DF}"/>
+                <a16:creationId xmlns:a16="http://schemas.microsoft.com/office/drawing/2014/main" id="{7CA55682-9B75-43CA-822F-E5469FDFC7DF}"/>
               </a:ext>
             </a:extLst>
           </p:cNvPr>
@@ -10518,7 +10520,7 @@
           <p:cNvPr id="77" name="직선 연결선 76">
             <a:extLst>
               <a:ext uri="{FF2B5EF4-FFF2-40B4-BE49-F238E27FC236}">
-                <a16:creationId xmlns:a16="http://schemas.microsoft.com/office/drawing/2014/main" xmlns="" id="{66E706C1-E2FA-4C31-8BCA-29863D507250}"/>
+                <a16:creationId xmlns:a16="http://schemas.microsoft.com/office/drawing/2014/main" id="{66E706C1-E2FA-4C31-8BCA-29863D507250}"/>
               </a:ext>
             </a:extLst>
           </p:cNvPr>
@@ -10562,7 +10564,7 @@
           <p:cNvPr id="95" name="TextBox 94">
             <a:extLst>
               <a:ext uri="{FF2B5EF4-FFF2-40B4-BE49-F238E27FC236}">
-                <a16:creationId xmlns:a16="http://schemas.microsoft.com/office/drawing/2014/main" xmlns="" id="{FD3BD2E6-745F-4DB1-B707-37CBA7701266}"/>
+                <a16:creationId xmlns:a16="http://schemas.microsoft.com/office/drawing/2014/main" id="{FD3BD2E6-745F-4DB1-B707-37CBA7701266}"/>
               </a:ext>
             </a:extLst>
           </p:cNvPr>
@@ -10608,7 +10610,7 @@
           <p:cNvPr id="96" name="TextBox 95">
             <a:extLst>
               <a:ext uri="{FF2B5EF4-FFF2-40B4-BE49-F238E27FC236}">
-                <a16:creationId xmlns:a16="http://schemas.microsoft.com/office/drawing/2014/main" xmlns="" id="{C0FCB3DA-1035-46B9-A6D9-188A7E838DBD}"/>
+                <a16:creationId xmlns:a16="http://schemas.microsoft.com/office/drawing/2014/main" id="{C0FCB3DA-1035-46B9-A6D9-188A7E838DBD}"/>
               </a:ext>
             </a:extLst>
           </p:cNvPr>
@@ -10654,7 +10656,7 @@
           <p:cNvPr id="97" name="직선 연결선 96">
             <a:extLst>
               <a:ext uri="{FF2B5EF4-FFF2-40B4-BE49-F238E27FC236}">
-                <a16:creationId xmlns:a16="http://schemas.microsoft.com/office/drawing/2014/main" xmlns="" id="{2F5CA22C-273D-40FB-ACAA-092AAA18A1DD}"/>
+                <a16:creationId xmlns:a16="http://schemas.microsoft.com/office/drawing/2014/main" id="{2F5CA22C-273D-40FB-ACAA-092AAA18A1DD}"/>
               </a:ext>
             </a:extLst>
           </p:cNvPr>
@@ -10698,7 +10700,7 @@
           <p:cNvPr id="98" name="직선 연결선 97">
             <a:extLst>
               <a:ext uri="{FF2B5EF4-FFF2-40B4-BE49-F238E27FC236}">
-                <a16:creationId xmlns:a16="http://schemas.microsoft.com/office/drawing/2014/main" xmlns="" id="{E506D8CE-4F30-424A-9724-F60449C2230F}"/>
+                <a16:creationId xmlns:a16="http://schemas.microsoft.com/office/drawing/2014/main" id="{E506D8CE-4F30-424A-9724-F60449C2230F}"/>
               </a:ext>
             </a:extLst>
           </p:cNvPr>
@@ -10780,7 +10782,7 @@
           <p:cNvPr id="5" name="그림 4">
             <a:extLst>
               <a:ext uri="{FF2B5EF4-FFF2-40B4-BE49-F238E27FC236}">
-                <a16:creationId xmlns:a16="http://schemas.microsoft.com/office/drawing/2014/main" xmlns="" id="{A1784623-9F9E-4432-B15B-CC24B3C8DA7B}"/>
+                <a16:creationId xmlns:a16="http://schemas.microsoft.com/office/drawing/2014/main" id="{A1784623-9F9E-4432-B15B-CC24B3C8DA7B}"/>
               </a:ext>
             </a:extLst>
           </p:cNvPr>
@@ -10851,7 +10853,7 @@
           <p:cNvPr id="45" name="TextBox 44">
             <a:extLst>
               <a:ext uri="{FF2B5EF4-FFF2-40B4-BE49-F238E27FC236}">
-                <a16:creationId xmlns:a16="http://schemas.microsoft.com/office/drawing/2014/main" xmlns="" id="{7476ECDD-44B5-4D31-A147-36ED8F9DD4BD}"/>
+                <a16:creationId xmlns:a16="http://schemas.microsoft.com/office/drawing/2014/main" id="{7476ECDD-44B5-4D31-A147-36ED8F9DD4BD}"/>
               </a:ext>
             </a:extLst>
           </p:cNvPr>
@@ -10897,7 +10899,7 @@
           <p:cNvPr id="46" name="직선 연결선 45">
             <a:extLst>
               <a:ext uri="{FF2B5EF4-FFF2-40B4-BE49-F238E27FC236}">
-                <a16:creationId xmlns:a16="http://schemas.microsoft.com/office/drawing/2014/main" xmlns="" id="{61497355-6ABE-424D-9D60-34358521956A}"/>
+                <a16:creationId xmlns:a16="http://schemas.microsoft.com/office/drawing/2014/main" id="{61497355-6ABE-424D-9D60-34358521956A}"/>
               </a:ext>
             </a:extLst>
           </p:cNvPr>
@@ -10941,7 +10943,7 @@
           <p:cNvPr id="71" name="TextBox 70">
             <a:extLst>
               <a:ext uri="{FF2B5EF4-FFF2-40B4-BE49-F238E27FC236}">
-                <a16:creationId xmlns:a16="http://schemas.microsoft.com/office/drawing/2014/main" xmlns="" id="{7CA55682-9B75-43CA-822F-E5469FDFC7DF}"/>
+                <a16:creationId xmlns:a16="http://schemas.microsoft.com/office/drawing/2014/main" id="{7CA55682-9B75-43CA-822F-E5469FDFC7DF}"/>
               </a:ext>
             </a:extLst>
           </p:cNvPr>
@@ -10987,7 +10989,7 @@
           <p:cNvPr id="74" name="직선 연결선 73">
             <a:extLst>
               <a:ext uri="{FF2B5EF4-FFF2-40B4-BE49-F238E27FC236}">
-                <a16:creationId xmlns:a16="http://schemas.microsoft.com/office/drawing/2014/main" xmlns="" id="{B843DA8F-5A8E-4093-A13B-E3CD6F913EF8}"/>
+                <a16:creationId xmlns:a16="http://schemas.microsoft.com/office/drawing/2014/main" id="{B843DA8F-5A8E-4093-A13B-E3CD6F913EF8}"/>
               </a:ext>
             </a:extLst>
           </p:cNvPr>
@@ -11031,7 +11033,7 @@
           <p:cNvPr id="77" name="직선 연결선 76">
             <a:extLst>
               <a:ext uri="{FF2B5EF4-FFF2-40B4-BE49-F238E27FC236}">
-                <a16:creationId xmlns:a16="http://schemas.microsoft.com/office/drawing/2014/main" xmlns="" id="{66E706C1-E2FA-4C31-8BCA-29863D507250}"/>
+                <a16:creationId xmlns:a16="http://schemas.microsoft.com/office/drawing/2014/main" id="{66E706C1-E2FA-4C31-8BCA-29863D507250}"/>
               </a:ext>
             </a:extLst>
           </p:cNvPr>
@@ -11075,7 +11077,7 @@
           <p:cNvPr id="42" name="TextBox 41">
             <a:extLst>
               <a:ext uri="{FF2B5EF4-FFF2-40B4-BE49-F238E27FC236}">
-                <a16:creationId xmlns:a16="http://schemas.microsoft.com/office/drawing/2014/main" xmlns="" id="{176D7272-AB80-461D-9F78-BCE494853F7E}"/>
+                <a16:creationId xmlns:a16="http://schemas.microsoft.com/office/drawing/2014/main" id="{176D7272-AB80-461D-9F78-BCE494853F7E}"/>
               </a:ext>
             </a:extLst>
           </p:cNvPr>
@@ -11129,7 +11131,7 @@
           <p:cNvPr id="15" name="TextBox 14">
             <a:extLst>
               <a:ext uri="{FF2B5EF4-FFF2-40B4-BE49-F238E27FC236}">
-                <a16:creationId xmlns:a16="http://schemas.microsoft.com/office/drawing/2014/main" xmlns="" id="{9C1E3425-69F6-471F-9286-9B8DF16A462E}"/>
+                <a16:creationId xmlns:a16="http://schemas.microsoft.com/office/drawing/2014/main" id="{9C1E3425-69F6-471F-9286-9B8DF16A462E}"/>
               </a:ext>
             </a:extLst>
           </p:cNvPr>
@@ -11196,7 +11198,7 @@
           <p:cNvPr id="27" name="직선 연결선 26">
             <a:extLst>
               <a:ext uri="{FF2B5EF4-FFF2-40B4-BE49-F238E27FC236}">
-                <a16:creationId xmlns:a16="http://schemas.microsoft.com/office/drawing/2014/main" xmlns="" id="{DE26473E-9EDB-49E4-9B02-9857FBA99B07}"/>
+                <a16:creationId xmlns:a16="http://schemas.microsoft.com/office/drawing/2014/main" id="{DE26473E-9EDB-49E4-9B02-9857FBA99B07}"/>
               </a:ext>
             </a:extLst>
           </p:cNvPr>
@@ -11329,16 +11331,6 @@
               </a:rPr>
               <a:t>개발 기술 스택</a:t>
             </a:r>
-            <a:r>
-              <a:rPr lang="en-US" altLang="ko-KR" b="1" dirty="0">
-                <a:solidFill>
-                  <a:schemeClr val="accent4">
-                    <a:lumMod val="50000"/>
-                  </a:schemeClr>
-                </a:solidFill>
-              </a:rPr>
-              <a:t/>
-            </a:r>
             <a:br>
               <a:rPr lang="en-US" altLang="ko-KR" b="1" dirty="0">
                 <a:solidFill>
@@ -12463,7 +12455,7 @@
           <p:cNvPr id="11" name="제목 1">
             <a:extLst>
               <a:ext uri="{FF2B5EF4-FFF2-40B4-BE49-F238E27FC236}">
-                <a16:creationId xmlns:a16="http://schemas.microsoft.com/office/drawing/2014/main" xmlns="" id="{39FB14FA-985B-4FAD-B434-D41D3E77FEAE}"/>
+                <a16:creationId xmlns:a16="http://schemas.microsoft.com/office/drawing/2014/main" id="{39FB14FA-985B-4FAD-B434-D41D3E77FEAE}"/>
               </a:ext>
             </a:extLst>
           </p:cNvPr>
@@ -12895,7 +12887,7 @@
           <p:cNvPr id="9" name="제목 1">
             <a:extLst>
               <a:ext uri="{FF2B5EF4-FFF2-40B4-BE49-F238E27FC236}">
-                <a16:creationId xmlns:a16="http://schemas.microsoft.com/office/drawing/2014/main" xmlns="" id="{06EB58BF-D8CD-46E6-B7DC-722F2FCC77DF}"/>
+                <a16:creationId xmlns:a16="http://schemas.microsoft.com/office/drawing/2014/main" id="{06EB58BF-D8CD-46E6-B7DC-722F2FCC77DF}"/>
               </a:ext>
             </a:extLst>
           </p:cNvPr>
@@ -13455,7 +13447,7 @@
           <p:cNvPr id="13" name="제목 1">
             <a:extLst>
               <a:ext uri="{FF2B5EF4-FFF2-40B4-BE49-F238E27FC236}">
-                <a16:creationId xmlns:a16="http://schemas.microsoft.com/office/drawing/2014/main" xmlns="" id="{FF43E060-AA5C-4963-A60D-FFE2F1D0BB00}"/>
+                <a16:creationId xmlns:a16="http://schemas.microsoft.com/office/drawing/2014/main" id="{FF43E060-AA5C-4963-A60D-FFE2F1D0BB00}"/>
               </a:ext>
             </a:extLst>
           </p:cNvPr>
@@ -13993,7 +13985,7 @@
           <p:cNvPr id="11" name="제목 1">
             <a:extLst>
               <a:ext uri="{FF2B5EF4-FFF2-40B4-BE49-F238E27FC236}">
-                <a16:creationId xmlns:a16="http://schemas.microsoft.com/office/drawing/2014/main" xmlns="" id="{3DB6CFC1-6ACD-47B3-9F59-55F4C4FB86BE}"/>
+                <a16:creationId xmlns:a16="http://schemas.microsoft.com/office/drawing/2014/main" id="{3DB6CFC1-6ACD-47B3-9F59-55F4C4FB86BE}"/>
               </a:ext>
             </a:extLst>
           </p:cNvPr>
@@ -14146,16 +14138,6 @@
                 </a:solidFill>
               </a:rPr>
               <a:t>기대 효과</a:t>
-            </a:r>
-            <a:r>
-              <a:rPr lang="en-US" altLang="ko-KR" b="1" dirty="0">
-                <a:solidFill>
-                  <a:schemeClr val="accent4">
-                    <a:lumMod val="50000"/>
-                  </a:schemeClr>
-                </a:solidFill>
-              </a:rPr>
-              <a:t/>
             </a:r>
             <a:br>
               <a:rPr lang="en-US" altLang="ko-KR" b="1" dirty="0">
@@ -14763,7 +14745,7 @@
           <p:cNvPr id="4" name="TextBox 3">
             <a:extLst>
               <a:ext uri="{FF2B5EF4-FFF2-40B4-BE49-F238E27FC236}">
-                <a16:creationId xmlns:a16="http://schemas.microsoft.com/office/drawing/2014/main" xmlns="" id="{90B1EF28-3B37-47D9-BC23-9FB03497891C}"/>
+                <a16:creationId xmlns:a16="http://schemas.microsoft.com/office/drawing/2014/main" id="{90B1EF28-3B37-47D9-BC23-9FB03497891C}"/>
               </a:ext>
             </a:extLst>
           </p:cNvPr>
@@ -14883,7 +14865,7 @@
         <p:spPr/>
         <p:txBody>
           <a:bodyPr>
-            <a:normAutofit/>
+            <a:normAutofit lnSpcReduction="10000"/>
           </a:bodyPr>
           <a:lstStyle/>
           <a:p>
@@ -14940,7 +14922,16 @@
               </a:rPr>
               <a:t>https://gatherup.com/100-online-review-statistics/</a:t>
             </a:r>
-            <a:endParaRPr lang="ko-KR" altLang="en-US" dirty="0"/>
+            <a:endParaRPr lang="en-US" altLang="ko-KR" dirty="0"/>
+          </a:p>
+          <a:p>
+            <a:r>
+              <a:rPr lang="en-US" altLang="ko-KR" dirty="0">
+                <a:hlinkClick r:id="rId2"/>
+              </a:rPr>
+              <a:t>https://www.hbs.edu/faculty/Pages/item.aspx?num=41233</a:t>
+            </a:r>
+            <a:endParaRPr lang="en-US" altLang="ko-KR" dirty="0"/>
           </a:p>
         </p:txBody>
       </p:sp>
@@ -15037,16 +15028,6 @@
                 </a:solidFill>
               </a:rPr>
               <a:t>프로젝트 배경</a:t>
-            </a:r>
-            <a:r>
-              <a:rPr lang="en-US" altLang="ko-KR" b="1" dirty="0">
-                <a:solidFill>
-                  <a:schemeClr val="accent4">
-                    <a:lumMod val="50000"/>
-                  </a:schemeClr>
-                </a:solidFill>
-              </a:rPr>
-              <a:t/>
             </a:r>
             <a:br>
               <a:rPr lang="en-US" altLang="ko-KR" b="1" dirty="0">
@@ -15995,16 +15976,6 @@
                 </a:solidFill>
               </a:rPr>
               <a:t>프로젝트 개요</a:t>
-            </a:r>
-            <a:r>
-              <a:rPr lang="en-US" altLang="ko-KR" b="1" dirty="0">
-                <a:solidFill>
-                  <a:schemeClr val="accent4">
-                    <a:lumMod val="50000"/>
-                  </a:schemeClr>
-                </a:solidFill>
-              </a:rPr>
-              <a:t/>
             </a:r>
             <a:br>
               <a:rPr lang="en-US" altLang="ko-KR" b="1" dirty="0">
